--- a/Docs/SFF S3 - APIs.pptx
+++ b/Docs/SFF S3 - APIs.pptx
@@ -3320,6 +3320,14 @@
 <file path=ppt/slides/slide1.xml><?xml version="1.0" encoding="utf-8"?>
 <p:sld xmlns:a="http://schemas.openxmlformats.org/drawingml/2006/main" xmlns:r="http://schemas.openxmlformats.org/officeDocument/2006/relationships" xmlns:p="http://schemas.openxmlformats.org/presentationml/2006/main">
   <p:cSld>
+    <p:bg>
+      <p:bgPr>
+        <a:solidFill>
+          <a:schemeClr val="bg1"/>
+        </a:solidFill>
+        <a:effectLst/>
+      </p:bgPr>
+    </p:bg>
     <p:spTree>
       <p:nvGrpSpPr>
         <p:cNvPr id="1" name=""/>
@@ -3334,72 +3342,671 @@
           <a:chExt cx="0" cy="0"/>
         </a:xfrm>
       </p:grpSpPr>
-      <p:sp>
-        <p:nvSpPr>
-          <p:cNvPr id="2" name="Título 1">
-            <a:extLst>
-              <a:ext uri="{FF2B5EF4-FFF2-40B4-BE49-F238E27FC236}">
-                <a16:creationId xmlns:a16="http://schemas.microsoft.com/office/drawing/2014/main" id="{1768BDDD-AE8C-4ED4-9218-55DFFC67417A}"/>
-              </a:ext>
-            </a:extLst>
-          </p:cNvPr>
-          <p:cNvSpPr>
-            <a:spLocks noGrp="1"/>
-          </p:cNvSpPr>
-          <p:nvPr>
-            <p:ph type="ctrTitle"/>
-          </p:nvPr>
-        </p:nvSpPr>
-        <p:spPr/>
-        <p:txBody>
-          <a:bodyPr/>
-          <a:lstStyle/>
-          <a:p>
-            <a:r>
-              <a:rPr lang="es-ES" dirty="0"/>
-              <a:t>SFF S3 - </a:t>
-            </a:r>
-            <a:r>
-              <a:rPr lang="es-ES" dirty="0" err="1"/>
-              <a:t>APIs</a:t>
-            </a:r>
-            <a:endParaRPr lang="es-ES" dirty="0"/>
-          </a:p>
-        </p:txBody>
-      </p:sp>
-      <p:sp>
-        <p:nvSpPr>
-          <p:cNvPr id="3" name="Subtítulo 2">
-            <a:extLst>
-              <a:ext uri="{FF2B5EF4-FFF2-40B4-BE49-F238E27FC236}">
-                <a16:creationId xmlns:a16="http://schemas.microsoft.com/office/drawing/2014/main" id="{252CA325-C328-4626-826C-3102D4612CF6}"/>
-              </a:ext>
-            </a:extLst>
-          </p:cNvPr>
-          <p:cNvSpPr>
-            <a:spLocks noGrp="1"/>
-          </p:cNvSpPr>
-          <p:nvPr>
-            <p:ph type="subTitle" idx="1"/>
+      <p:sp useBgFill="1">
+        <p:nvSpPr>
+          <p:cNvPr id="8" name="Rectangle 7">
+            <a:extLst>
+              <a:ext uri="{FF2B5EF4-FFF2-40B4-BE49-F238E27FC236}">
+                <a16:creationId xmlns:a16="http://schemas.microsoft.com/office/drawing/2014/main" id="{FFD48BC7-DC40-47DE-87EE-9F4B6ECB9ABB}"/>
+              </a:ext>
+              <a:ext uri="{C183D7F6-B498-43B3-948B-1728B52AA6E4}">
+                <adec:decorative xmlns:adec="http://schemas.microsoft.com/office/drawing/2017/decorative" val="1"/>
+              </a:ext>
+            </a:extLst>
+          </p:cNvPr>
+          <p:cNvSpPr>
+            <a:spLocks noGrp="1" noRot="1" noChangeAspect="1" noMove="1" noResize="1" noEditPoints="1" noAdjustHandles="1" noChangeArrowheads="1" noChangeShapeType="1" noTextEdit="1"/>
+          </p:cNvSpPr>
+          <p:nvPr>
+            <p:extLst>
+              <p:ext uri="{386F3935-93C4-4BCD-93E2-E3B085C9AB24}">
+                <p16:designElem xmlns:p16="http://schemas.microsoft.com/office/powerpoint/2015/main" val="1"/>
+              </p:ext>
+            </p:extLst>
           </p:nvPr>
         </p:nvSpPr>
         <p:spPr>
           <a:xfrm>
-            <a:off x="6425022" y="4214718"/>
-            <a:ext cx="4242977" cy="1043082"/>
+            <a:off x="0" y="0"/>
+            <a:ext cx="12192000" cy="6858000"/>
+          </a:xfrm>
+          <a:prstGeom prst="rect">
+            <a:avLst/>
+          </a:prstGeom>
+          <a:ln>
+            <a:noFill/>
+          </a:ln>
+        </p:spPr>
+        <p:style>
+          <a:lnRef idx="2">
+            <a:schemeClr val="accent1">
+              <a:shade val="50000"/>
+            </a:schemeClr>
+          </a:lnRef>
+          <a:fillRef idx="1">
+            <a:schemeClr val="accent1"/>
+          </a:fillRef>
+          <a:effectRef idx="0">
+            <a:schemeClr val="accent1"/>
+          </a:effectRef>
+          <a:fontRef idx="minor">
+            <a:schemeClr val="lt1"/>
+          </a:fontRef>
+        </p:style>
+        <p:txBody>
+          <a:bodyPr rtlCol="0" anchor="ctr"/>
+          <a:lstStyle/>
+          <a:p>
+            <a:pPr algn="ctr"/>
+            <a:endParaRPr lang="en-US"/>
+          </a:p>
+        </p:txBody>
+      </p:sp>
+      <p:sp useBgFill="1">
+        <p:nvSpPr>
+          <p:cNvPr id="10" name="Freeform: Shape 9">
+            <a:extLst>
+              <a:ext uri="{FF2B5EF4-FFF2-40B4-BE49-F238E27FC236}">
+                <a16:creationId xmlns:a16="http://schemas.microsoft.com/office/drawing/2014/main" id="{E502BBC7-2C76-46F3-BC24-5985BC13DB88}"/>
+              </a:ext>
+              <a:ext uri="{C183D7F6-B498-43B3-948B-1728B52AA6E4}">
+                <adec:decorative xmlns:adec="http://schemas.microsoft.com/office/drawing/2017/decorative" val="1"/>
+              </a:ext>
+            </a:extLst>
+          </p:cNvPr>
+          <p:cNvSpPr>
+            <a:spLocks noGrp="1" noRot="1" noChangeAspect="1" noMove="1" noResize="1" noEditPoints="1" noAdjustHandles="1" noChangeArrowheads="1" noChangeShapeType="1" noTextEdit="1"/>
+          </p:cNvSpPr>
+          <p:nvPr>
+            <p:extLst>
+              <p:ext uri="{386F3935-93C4-4BCD-93E2-E3B085C9AB24}">
+                <p16:designElem xmlns:p16="http://schemas.microsoft.com/office/powerpoint/2015/main" val="1"/>
+              </p:ext>
+            </p:extLst>
+          </p:nvPr>
+        </p:nvSpPr>
+        <p:spPr>
+          <a:xfrm>
+            <a:off x="1114425" y="0"/>
+            <a:ext cx="9963150" cy="6858000"/>
+          </a:xfrm>
+          <a:custGeom>
+            <a:avLst/>
+            <a:gdLst>
+              <a:gd name="connsiteX0" fmla="*/ 1595771 w 9963150"/>
+              <a:gd name="connsiteY0" fmla="*/ 0 h 6858000"/>
+              <a:gd name="connsiteX1" fmla="*/ 8367379 w 9963150"/>
+              <a:gd name="connsiteY1" fmla="*/ 0 h 6858000"/>
+              <a:gd name="connsiteX2" fmla="*/ 8504080 w 9963150"/>
+              <a:gd name="connsiteY2" fmla="*/ 130333 h 6858000"/>
+              <a:gd name="connsiteX3" fmla="*/ 9963150 w 9963150"/>
+              <a:gd name="connsiteY3" fmla="*/ 3652838 h 6858000"/>
+              <a:gd name="connsiteX4" fmla="*/ 8825600 w 9963150"/>
+              <a:gd name="connsiteY4" fmla="*/ 6821583 h 6858000"/>
+              <a:gd name="connsiteX5" fmla="*/ 8794055 w 9963150"/>
+              <a:gd name="connsiteY5" fmla="*/ 6858000 h 6858000"/>
+              <a:gd name="connsiteX6" fmla="*/ 1169096 w 9963150"/>
+              <a:gd name="connsiteY6" fmla="*/ 6858000 h 6858000"/>
+              <a:gd name="connsiteX7" fmla="*/ 1137550 w 9963150"/>
+              <a:gd name="connsiteY7" fmla="*/ 6821583 h 6858000"/>
+              <a:gd name="connsiteX8" fmla="*/ 0 w 9963150"/>
+              <a:gd name="connsiteY8" fmla="*/ 3652838 h 6858000"/>
+              <a:gd name="connsiteX9" fmla="*/ 1459070 w 9963150"/>
+              <a:gd name="connsiteY9" fmla="*/ 130333 h 6858000"/>
+            </a:gdLst>
+            <a:ahLst/>
+            <a:cxnLst>
+              <a:cxn ang="0">
+                <a:pos x="connsiteX0" y="connsiteY0"/>
+              </a:cxn>
+              <a:cxn ang="0">
+                <a:pos x="connsiteX1" y="connsiteY1"/>
+              </a:cxn>
+              <a:cxn ang="0">
+                <a:pos x="connsiteX2" y="connsiteY2"/>
+              </a:cxn>
+              <a:cxn ang="0">
+                <a:pos x="connsiteX3" y="connsiteY3"/>
+              </a:cxn>
+              <a:cxn ang="0">
+                <a:pos x="connsiteX4" y="connsiteY4"/>
+              </a:cxn>
+              <a:cxn ang="0">
+                <a:pos x="connsiteX5" y="connsiteY5"/>
+              </a:cxn>
+              <a:cxn ang="0">
+                <a:pos x="connsiteX6" y="connsiteY6"/>
+              </a:cxn>
+              <a:cxn ang="0">
+                <a:pos x="connsiteX7" y="connsiteY7"/>
+              </a:cxn>
+              <a:cxn ang="0">
+                <a:pos x="connsiteX8" y="connsiteY8"/>
+              </a:cxn>
+              <a:cxn ang="0">
+                <a:pos x="connsiteX9" y="connsiteY9"/>
+              </a:cxn>
+            </a:cxnLst>
+            <a:rect l="l" t="t" r="r" b="b"/>
+            <a:pathLst>
+              <a:path w="9963150" h="6858000">
+                <a:moveTo>
+                  <a:pt x="1595771" y="0"/>
+                </a:moveTo>
+                <a:lnTo>
+                  <a:pt x="8367379" y="0"/>
+                </a:lnTo>
+                <a:lnTo>
+                  <a:pt x="8504080" y="130333"/>
+                </a:lnTo>
+                <a:cubicBezTo>
+                  <a:pt x="9405568" y="1031820"/>
+                  <a:pt x="9963150" y="2277214"/>
+                  <a:pt x="9963150" y="3652838"/>
+                </a:cubicBezTo>
+                <a:cubicBezTo>
+                  <a:pt x="9963150" y="4856509"/>
+                  <a:pt x="9536251" y="5960473"/>
+                  <a:pt x="8825600" y="6821583"/>
+                </a:cubicBezTo>
+                <a:lnTo>
+                  <a:pt x="8794055" y="6858000"/>
+                </a:lnTo>
+                <a:lnTo>
+                  <a:pt x="1169096" y="6858000"/>
+                </a:lnTo>
+                <a:lnTo>
+                  <a:pt x="1137550" y="6821583"/>
+                </a:lnTo>
+                <a:cubicBezTo>
+                  <a:pt x="426899" y="5960473"/>
+                  <a:pt x="0" y="4856509"/>
+                  <a:pt x="0" y="3652838"/>
+                </a:cubicBezTo>
+                <a:cubicBezTo>
+                  <a:pt x="0" y="2277214"/>
+                  <a:pt x="557582" y="1031820"/>
+                  <a:pt x="1459070" y="130333"/>
+                </a:cubicBezTo>
+                <a:close/>
+              </a:path>
+            </a:pathLst>
+          </a:custGeom>
+          <a:ln w="9525">
+            <a:solidFill>
+              <a:srgbClr val="EFEFEF"/>
+            </a:solidFill>
+          </a:ln>
+          <a:effectLst>
+            <a:outerShdw blurRad="139700" sx="102000" sy="102000" algn="ctr" rotWithShape="0">
+              <a:schemeClr val="bg1">
+                <a:lumMod val="85000"/>
+                <a:alpha val="38000"/>
+              </a:schemeClr>
+            </a:outerShdw>
+          </a:effectLst>
+        </p:spPr>
+        <p:style>
+          <a:lnRef idx="2">
+            <a:schemeClr val="accent1">
+              <a:shade val="50000"/>
+            </a:schemeClr>
+          </a:lnRef>
+          <a:fillRef idx="1">
+            <a:schemeClr val="accent1"/>
+          </a:fillRef>
+          <a:effectRef idx="0">
+            <a:schemeClr val="accent1"/>
+          </a:effectRef>
+          <a:fontRef idx="minor">
+            <a:schemeClr val="lt1"/>
+          </a:fontRef>
+        </p:style>
+        <p:txBody>
+          <a:bodyPr wrap="square" rtlCol="0" anchor="ctr">
+            <a:noAutofit/>
+          </a:bodyPr>
+          <a:lstStyle/>
+          <a:p>
+            <a:pPr marL="0" marR="0" lvl="0" indent="0" algn="ctr" defTabSz="914400" rtl="0" eaLnBrk="1" fontAlgn="auto" latinLnBrk="0" hangingPunct="1">
+              <a:lnSpc>
+                <a:spcPct val="100000"/>
+              </a:lnSpc>
+              <a:spcBef>
+                <a:spcPts val="0"/>
+              </a:spcBef>
+              <a:spcAft>
+                <a:spcPts val="0"/>
+              </a:spcAft>
+              <a:buClrTx/>
+              <a:buSzTx/>
+              <a:buFontTx/>
+              <a:buNone/>
+              <a:tabLst/>
+              <a:defRPr/>
+            </a:pPr>
+            <a:endParaRPr kumimoji="0" lang="en-US" sz="1800" b="0" i="0" u="none" strike="noStrike" kern="1200" cap="none" spc="0" normalizeH="0" baseline="0" noProof="0">
+              <a:ln>
+                <a:noFill/>
+              </a:ln>
+              <a:solidFill>
+                <a:prstClr val="white"/>
+              </a:solidFill>
+              <a:effectLst/>
+              <a:uLnTx/>
+              <a:uFillTx/>
+              <a:latin typeface="Calibri" panose="020F0502020204030204"/>
+              <a:ea typeface="+mn-ea"/>
+              <a:cs typeface="+mn-cs"/>
+            </a:endParaRPr>
+          </a:p>
+        </p:txBody>
+      </p:sp>
+      <p:sp useBgFill="1">
+        <p:nvSpPr>
+          <p:cNvPr id="34" name="Freeform: Shape 11">
+            <a:extLst>
+              <a:ext uri="{FF2B5EF4-FFF2-40B4-BE49-F238E27FC236}">
+                <a16:creationId xmlns:a16="http://schemas.microsoft.com/office/drawing/2014/main" id="{C7F28D52-2A5F-4D23-81AE-7CB8B591C7AF}"/>
+              </a:ext>
+              <a:ext uri="{C183D7F6-B498-43B3-948B-1728B52AA6E4}">
+                <adec:decorative xmlns:adec="http://schemas.microsoft.com/office/drawing/2017/decorative" val="1"/>
+              </a:ext>
+            </a:extLst>
+          </p:cNvPr>
+          <p:cNvSpPr>
+            <a:spLocks noGrp="1" noRot="1" noChangeAspect="1" noMove="1" noResize="1" noEditPoints="1" noAdjustHandles="1" noChangeArrowheads="1" noChangeShapeType="1" noTextEdit="1"/>
+          </p:cNvSpPr>
+          <p:nvPr>
+            <p:extLst>
+              <p:ext uri="{386F3935-93C4-4BCD-93E2-E3B085C9AB24}">
+                <p16:designElem xmlns:p16="http://schemas.microsoft.com/office/powerpoint/2015/main" val="1"/>
+              </p:ext>
+            </p:extLst>
+          </p:nvPr>
+        </p:nvSpPr>
+        <p:spPr>
+          <a:xfrm>
+            <a:off x="1121664" y="0"/>
+            <a:ext cx="9948672" cy="6858000"/>
+          </a:xfrm>
+          <a:custGeom>
+            <a:avLst/>
+            <a:gdLst>
+              <a:gd name="connsiteX0" fmla="*/ 1595771 w 9963150"/>
+              <a:gd name="connsiteY0" fmla="*/ 0 h 6858000"/>
+              <a:gd name="connsiteX1" fmla="*/ 8367379 w 9963150"/>
+              <a:gd name="connsiteY1" fmla="*/ 0 h 6858000"/>
+              <a:gd name="connsiteX2" fmla="*/ 8504080 w 9963150"/>
+              <a:gd name="connsiteY2" fmla="*/ 130333 h 6858000"/>
+              <a:gd name="connsiteX3" fmla="*/ 9963150 w 9963150"/>
+              <a:gd name="connsiteY3" fmla="*/ 3652838 h 6858000"/>
+              <a:gd name="connsiteX4" fmla="*/ 8825600 w 9963150"/>
+              <a:gd name="connsiteY4" fmla="*/ 6821583 h 6858000"/>
+              <a:gd name="connsiteX5" fmla="*/ 8794055 w 9963150"/>
+              <a:gd name="connsiteY5" fmla="*/ 6858000 h 6858000"/>
+              <a:gd name="connsiteX6" fmla="*/ 1169096 w 9963150"/>
+              <a:gd name="connsiteY6" fmla="*/ 6858000 h 6858000"/>
+              <a:gd name="connsiteX7" fmla="*/ 1137550 w 9963150"/>
+              <a:gd name="connsiteY7" fmla="*/ 6821583 h 6858000"/>
+              <a:gd name="connsiteX8" fmla="*/ 0 w 9963150"/>
+              <a:gd name="connsiteY8" fmla="*/ 3652838 h 6858000"/>
+              <a:gd name="connsiteX9" fmla="*/ 1459070 w 9963150"/>
+              <a:gd name="connsiteY9" fmla="*/ 130333 h 6858000"/>
+            </a:gdLst>
+            <a:ahLst/>
+            <a:cxnLst>
+              <a:cxn ang="0">
+                <a:pos x="connsiteX0" y="connsiteY0"/>
+              </a:cxn>
+              <a:cxn ang="0">
+                <a:pos x="connsiteX1" y="connsiteY1"/>
+              </a:cxn>
+              <a:cxn ang="0">
+                <a:pos x="connsiteX2" y="connsiteY2"/>
+              </a:cxn>
+              <a:cxn ang="0">
+                <a:pos x="connsiteX3" y="connsiteY3"/>
+              </a:cxn>
+              <a:cxn ang="0">
+                <a:pos x="connsiteX4" y="connsiteY4"/>
+              </a:cxn>
+              <a:cxn ang="0">
+                <a:pos x="connsiteX5" y="connsiteY5"/>
+              </a:cxn>
+              <a:cxn ang="0">
+                <a:pos x="connsiteX6" y="connsiteY6"/>
+              </a:cxn>
+              <a:cxn ang="0">
+                <a:pos x="connsiteX7" y="connsiteY7"/>
+              </a:cxn>
+              <a:cxn ang="0">
+                <a:pos x="connsiteX8" y="connsiteY8"/>
+              </a:cxn>
+              <a:cxn ang="0">
+                <a:pos x="connsiteX9" y="connsiteY9"/>
+              </a:cxn>
+            </a:cxnLst>
+            <a:rect l="l" t="t" r="r" b="b"/>
+            <a:pathLst>
+              <a:path w="9963150" h="6858000">
+                <a:moveTo>
+                  <a:pt x="1595771" y="0"/>
+                </a:moveTo>
+                <a:lnTo>
+                  <a:pt x="8367379" y="0"/>
+                </a:lnTo>
+                <a:lnTo>
+                  <a:pt x="8504080" y="130333"/>
+                </a:lnTo>
+                <a:cubicBezTo>
+                  <a:pt x="9405568" y="1031820"/>
+                  <a:pt x="9963150" y="2277214"/>
+                  <a:pt x="9963150" y="3652838"/>
+                </a:cubicBezTo>
+                <a:cubicBezTo>
+                  <a:pt x="9963150" y="4856509"/>
+                  <a:pt x="9536251" y="5960473"/>
+                  <a:pt x="8825600" y="6821583"/>
+                </a:cubicBezTo>
+                <a:lnTo>
+                  <a:pt x="8794055" y="6858000"/>
+                </a:lnTo>
+                <a:lnTo>
+                  <a:pt x="1169096" y="6858000"/>
+                </a:lnTo>
+                <a:lnTo>
+                  <a:pt x="1137550" y="6821583"/>
+                </a:lnTo>
+                <a:cubicBezTo>
+                  <a:pt x="426899" y="5960473"/>
+                  <a:pt x="0" y="4856509"/>
+                  <a:pt x="0" y="3652838"/>
+                </a:cubicBezTo>
+                <a:cubicBezTo>
+                  <a:pt x="0" y="2277214"/>
+                  <a:pt x="557582" y="1031820"/>
+                  <a:pt x="1459070" y="130333"/>
+                </a:cubicBezTo>
+                <a:close/>
+              </a:path>
+            </a:pathLst>
+          </a:custGeom>
+          <a:ln w="9525">
+            <a:noFill/>
+          </a:ln>
+          <a:effectLst/>
+        </p:spPr>
+        <p:style>
+          <a:lnRef idx="2">
+            <a:schemeClr val="accent1">
+              <a:shade val="50000"/>
+            </a:schemeClr>
+          </a:lnRef>
+          <a:fillRef idx="1">
+            <a:schemeClr val="accent1"/>
+          </a:fillRef>
+          <a:effectRef idx="0">
+            <a:schemeClr val="accent1"/>
+          </a:effectRef>
+          <a:fontRef idx="minor">
+            <a:schemeClr val="lt1"/>
+          </a:fontRef>
+        </p:style>
+        <p:txBody>
+          <a:bodyPr wrap="square" rtlCol="0" anchor="ctr">
+            <a:noAutofit/>
+          </a:bodyPr>
+          <a:lstStyle/>
+          <a:p>
+            <a:pPr marL="0" marR="0" lvl="0" indent="0" algn="ctr" defTabSz="914400" rtl="0" eaLnBrk="1" fontAlgn="auto" latinLnBrk="0" hangingPunct="1">
+              <a:lnSpc>
+                <a:spcPct val="100000"/>
+              </a:lnSpc>
+              <a:spcBef>
+                <a:spcPts val="0"/>
+              </a:spcBef>
+              <a:spcAft>
+                <a:spcPts val="0"/>
+              </a:spcAft>
+              <a:buClrTx/>
+              <a:buSzTx/>
+              <a:buFontTx/>
+              <a:buNone/>
+              <a:tabLst/>
+              <a:defRPr/>
+            </a:pPr>
+            <a:endParaRPr kumimoji="0" lang="en-US" sz="1800" b="0" i="0" u="none" strike="noStrike" kern="1200" cap="none" spc="0" normalizeH="0" baseline="0" noProof="0">
+              <a:ln>
+                <a:noFill/>
+              </a:ln>
+              <a:solidFill>
+                <a:prstClr val="white"/>
+              </a:solidFill>
+              <a:effectLst/>
+              <a:uLnTx/>
+              <a:uFillTx/>
+              <a:latin typeface="Calibri" panose="020F0502020204030204"/>
+              <a:ea typeface="+mn-ea"/>
+              <a:cs typeface="+mn-cs"/>
+            </a:endParaRPr>
+          </a:p>
+        </p:txBody>
+      </p:sp>
+      <p:sp>
+        <p:nvSpPr>
+          <p:cNvPr id="2" name="Título 1">
+            <a:extLst>
+              <a:ext uri="{FF2B5EF4-FFF2-40B4-BE49-F238E27FC236}">
+                <a16:creationId xmlns:a16="http://schemas.microsoft.com/office/drawing/2014/main" id="{1768BDDD-AE8C-4ED4-9218-55DFFC67417A}"/>
+              </a:ext>
+            </a:extLst>
+          </p:cNvPr>
+          <p:cNvSpPr>
+            <a:spLocks noGrp="1"/>
+          </p:cNvSpPr>
+          <p:nvPr>
+            <p:ph type="ctrTitle"/>
+          </p:nvPr>
+        </p:nvSpPr>
+        <p:spPr>
+          <a:xfrm>
+            <a:off x="1524003" y="2379787"/>
+            <a:ext cx="9144000" cy="2764028"/>
           </a:xfrm>
         </p:spPr>
         <p:txBody>
-          <a:bodyPr/>
+          <a:bodyPr anchor="ctr">
+            <a:normAutofit/>
+          </a:bodyPr>
           <a:lstStyle/>
           <a:p>
             <a:r>
-              <a:rPr lang="es-ES" dirty="0"/>
+              <a:rPr lang="es-ES" sz="7200" dirty="0"/>
+              <a:t>SFF S3 - </a:t>
+            </a:r>
+            <a:r>
+              <a:rPr lang="es-ES" sz="7200" dirty="0" err="1"/>
+              <a:t>APIs</a:t>
+            </a:r>
+            <a:endParaRPr lang="es-ES" sz="7200" dirty="0"/>
+          </a:p>
+        </p:txBody>
+      </p:sp>
+      <p:sp>
+        <p:nvSpPr>
+          <p:cNvPr id="3" name="Subtítulo 2">
+            <a:extLst>
+              <a:ext uri="{FF2B5EF4-FFF2-40B4-BE49-F238E27FC236}">
+                <a16:creationId xmlns:a16="http://schemas.microsoft.com/office/drawing/2014/main" id="{252CA325-C328-4626-826C-3102D4612CF6}"/>
+              </a:ext>
+            </a:extLst>
+          </p:cNvPr>
+          <p:cNvSpPr>
+            <a:spLocks noGrp="1"/>
+          </p:cNvSpPr>
+          <p:nvPr>
+            <p:ph type="subTitle" idx="1"/>
+          </p:nvPr>
+        </p:nvSpPr>
+        <p:spPr>
+          <a:xfrm>
+            <a:off x="1966912" y="5645150"/>
+            <a:ext cx="8258176" cy="631825"/>
+          </a:xfrm>
+        </p:spPr>
+        <p:txBody>
+          <a:bodyPr anchor="ctr">
+            <a:normAutofit/>
+          </a:bodyPr>
+          <a:lstStyle/>
+          <a:p>
+            <a:r>
+              <a:rPr lang="es-ES" sz="2800"/>
               <a:t>Ruben Martínez &amp; Marc Compta</a:t>
             </a:r>
           </a:p>
         </p:txBody>
       </p:sp>
+      <p:sp>
+        <p:nvSpPr>
+          <p:cNvPr id="35" name="Rectangle 13">
+            <a:extLst>
+              <a:ext uri="{FF2B5EF4-FFF2-40B4-BE49-F238E27FC236}">
+                <a16:creationId xmlns:a16="http://schemas.microsoft.com/office/drawing/2014/main" id="{3629484E-3792-4B3D-89AD-7C8A1ED0E0D4}"/>
+              </a:ext>
+              <a:ext uri="{C183D7F6-B498-43B3-948B-1728B52AA6E4}">
+                <adec:decorative xmlns:adec="http://schemas.microsoft.com/office/drawing/2017/decorative" val="1"/>
+              </a:ext>
+            </a:extLst>
+          </p:cNvPr>
+          <p:cNvSpPr>
+            <a:spLocks noGrp="1" noRot="1" noChangeAspect="1" noMove="1" noResize="1" noEditPoints="1" noAdjustHandles="1" noChangeArrowheads="1" noChangeShapeType="1" noTextEdit="1"/>
+          </p:cNvSpPr>
+          <p:nvPr>
+            <p:extLst>
+              <p:ext uri="{386F3935-93C4-4BCD-93E2-E3B085C9AB24}">
+                <p16:designElem xmlns:p16="http://schemas.microsoft.com/office/powerpoint/2015/main" val="1"/>
+              </p:ext>
+            </p:extLst>
+          </p:nvPr>
+        </p:nvSpPr>
+        <p:spPr>
+          <a:xfrm>
+            <a:off x="3718560" y="5524786"/>
+            <a:ext cx="4754880" cy="27432"/>
+          </a:xfrm>
+          <a:prstGeom prst="rect">
+            <a:avLst/>
+          </a:prstGeom>
+          <a:solidFill>
+            <a:schemeClr val="accent2"/>
+          </a:solidFill>
+          <a:ln>
+            <a:noFill/>
+          </a:ln>
+        </p:spPr>
+        <p:style>
+          <a:lnRef idx="2">
+            <a:schemeClr val="accent1">
+              <a:shade val="50000"/>
+            </a:schemeClr>
+          </a:lnRef>
+          <a:fillRef idx="1">
+            <a:schemeClr val="accent1"/>
+          </a:fillRef>
+          <a:effectRef idx="0">
+            <a:schemeClr val="accent1"/>
+          </a:effectRef>
+          <a:fontRef idx="minor">
+            <a:schemeClr val="lt1"/>
+          </a:fontRef>
+        </p:style>
+        <p:txBody>
+          <a:bodyPr rtlCol="0" anchor="ctr"/>
+          <a:lstStyle/>
+          <a:p>
+            <a:pPr marL="0" marR="0" lvl="0" indent="0" algn="ctr" defTabSz="914400" rtl="0" eaLnBrk="1" fontAlgn="auto" latinLnBrk="0" hangingPunct="1">
+              <a:lnSpc>
+                <a:spcPct val="100000"/>
+              </a:lnSpc>
+              <a:spcBef>
+                <a:spcPts val="0"/>
+              </a:spcBef>
+              <a:spcAft>
+                <a:spcPts val="0"/>
+              </a:spcAft>
+              <a:buClrTx/>
+              <a:buSzTx/>
+              <a:buFontTx/>
+              <a:buNone/>
+              <a:tabLst/>
+              <a:defRPr/>
+            </a:pPr>
+            <a:endParaRPr kumimoji="0" lang="en-US" sz="1800" b="0" i="0" u="none" strike="noStrike" kern="1200" cap="none" spc="0" normalizeH="0" baseline="0" noProof="0">
+              <a:ln>
+                <a:noFill/>
+              </a:ln>
+              <a:solidFill>
+                <a:prstClr val="white"/>
+              </a:solidFill>
+              <a:effectLst/>
+              <a:uLnTx/>
+              <a:uFillTx/>
+              <a:latin typeface="Calibri" panose="020F0502020204030204"/>
+              <a:ea typeface="+mn-ea"/>
+              <a:cs typeface="+mn-cs"/>
+            </a:endParaRPr>
+          </a:p>
+        </p:txBody>
+      </p:sp>
+      <p:pic>
+        <p:nvPicPr>
+          <p:cNvPr id="1028" name="Picture 4">
+            <a:extLst>
+              <a:ext uri="{FF2B5EF4-FFF2-40B4-BE49-F238E27FC236}">
+                <a16:creationId xmlns:a16="http://schemas.microsoft.com/office/drawing/2014/main" id="{B723CFF6-D0A1-4A25-9D30-3F47793E9F7D}"/>
+              </a:ext>
+            </a:extLst>
+          </p:cNvPr>
+          <p:cNvPicPr>
+            <a:picLocks noChangeAspect="1" noChangeArrowheads="1"/>
+          </p:cNvPicPr>
+          <p:nvPr/>
+        </p:nvPicPr>
+        <p:blipFill>
+          <a:blip r:embed="rId2">
+            <a:extLst>
+              <a:ext uri="{28A0092B-C50C-407E-A947-70E740481C1C}">
+                <a14:useLocalDpi xmlns:a14="http://schemas.microsoft.com/office/drawing/2010/main" val="0"/>
+              </a:ext>
+            </a:extLst>
+          </a:blip>
+          <a:srcRect/>
+          <a:stretch>
+            <a:fillRect/>
+          </a:stretch>
+        </p:blipFill>
+        <p:spPr bwMode="auto">
+          <a:xfrm>
+            <a:off x="5158353" y="411561"/>
+            <a:ext cx="1875294" cy="1875294"/>
+          </a:xfrm>
+          <a:prstGeom prst="rect">
+            <a:avLst/>
+          </a:prstGeom>
+          <a:noFill/>
+          <a:extLst>
+            <a:ext uri="{909E8E84-426E-40DD-AFC4-6F175D3DCCD1}">
+              <a14:hiddenFill xmlns:a14="http://schemas.microsoft.com/office/drawing/2010/main">
+                <a:solidFill>
+                  <a:srgbClr val="FFFFFF"/>
+                </a:solidFill>
+              </a14:hiddenFill>
+            </a:ext>
+          </a:extLst>
+        </p:spPr>
+      </p:pic>
     </p:spTree>
     <p:extLst>
       <p:ext uri="{BB962C8B-B14F-4D97-AF65-F5344CB8AC3E}">
@@ -3503,7 +4110,9 @@
             </a:r>
           </a:p>
           <a:p>
-            <a:pPr lvl="1"/>
+            <a:pPr marL="457200" lvl="1" indent="0">
+              <a:buNone/>
+            </a:pPr>
             <a:r>
               <a:rPr lang="es-ES" dirty="0">
                 <a:hlinkClick r:id="rId2"/>
